--- a/第3节课/01ppt/P1-3第三节.pptx
+++ b/第3节课/01ppt/P1-3第三节.pptx
@@ -20,8 +20,9 @@
     <p:sldId id="444" r:id="rId15"/>
     <p:sldId id="445" r:id="rId16"/>
     <p:sldId id="446" r:id="rId17"/>
-    <p:sldId id="451" r:id="rId18"/>
-    <p:sldId id="260" r:id="rId19"/>
+    <p:sldId id="453" r:id="rId18"/>
+    <p:sldId id="451" r:id="rId19"/>
+    <p:sldId id="260" r:id="rId20"/>
   </p:sldIdLst>
   <p:sldSz cx="12192000" cy="6858000"/>
   <p:notesSz cx="6858000" cy="9144000"/>
@@ -6369,19 +6370,28 @@
               <a:buNone/>
             </a:pPr>
             <a:r>
-              <a:rPr lang="zh-CN" altLang="en-US" sz="2000">
+              <a:rPr lang="zh-CN" altLang="en-US" sz="2000" b="1">
+                <a:solidFill>
+                  <a:srgbClr val="FF0000"/>
+                </a:solidFill>
                 <a:sym typeface="+mn-ea"/>
               </a:rPr>
               <a:t>例</a:t>
             </a:r>
             <a:r>
-              <a:rPr lang="en-US" altLang="zh-CN" sz="2000">
+              <a:rPr lang="en-US" altLang="zh-CN" sz="2000" b="1">
+                <a:solidFill>
+                  <a:srgbClr val="FF0000"/>
+                </a:solidFill>
                 <a:sym typeface="+mn-ea"/>
               </a:rPr>
-              <a:t>1</a:t>
-            </a:r>
-            <a:r>
-              <a:rPr lang="zh-CN" altLang="en-US" sz="2000">
+              <a:t>4</a:t>
+            </a:r>
+            <a:r>
+              <a:rPr lang="zh-CN" altLang="en-US" sz="2000" b="1">
+                <a:solidFill>
+                  <a:srgbClr val="FF0000"/>
+                </a:solidFill>
                 <a:sym typeface="+mn-ea"/>
               </a:rPr>
               <a:t>：</a:t>
@@ -6839,19 +6849,28 @@
               <a:buNone/>
             </a:pPr>
             <a:r>
-              <a:rPr lang="zh-CN" altLang="en-US" sz="2000">
+              <a:rPr lang="zh-CN" altLang="en-US" sz="2000" b="1">
+                <a:solidFill>
+                  <a:srgbClr val="FF0000"/>
+                </a:solidFill>
                 <a:sym typeface="+mn-ea"/>
               </a:rPr>
               <a:t>例</a:t>
             </a:r>
             <a:r>
-              <a:rPr lang="en-US" altLang="zh-CN" sz="2000">
+              <a:rPr lang="en-US" altLang="zh-CN" sz="2000" b="1">
+                <a:solidFill>
+                  <a:srgbClr val="FF0000"/>
+                </a:solidFill>
                 <a:sym typeface="+mn-ea"/>
               </a:rPr>
-              <a:t>2</a:t>
-            </a:r>
-            <a:r>
-              <a:rPr lang="zh-CN" altLang="en-US" sz="2000">
+              <a:t>5</a:t>
+            </a:r>
+            <a:r>
+              <a:rPr lang="zh-CN" altLang="en-US" sz="2000" b="1">
+                <a:solidFill>
+                  <a:srgbClr val="FF0000"/>
+                </a:solidFill>
                 <a:sym typeface="+mn-ea"/>
               </a:rPr>
               <a:t>：</a:t>
@@ -7309,19 +7328,28 @@
               <a:buNone/>
             </a:pPr>
             <a:r>
-              <a:rPr lang="zh-CN" altLang="en-US" sz="2000">
+              <a:rPr lang="zh-CN" altLang="en-US" sz="2000" b="1">
+                <a:solidFill>
+                  <a:srgbClr val="FF0000"/>
+                </a:solidFill>
                 <a:sym typeface="+mn-ea"/>
               </a:rPr>
               <a:t>例</a:t>
             </a:r>
             <a:r>
-              <a:rPr lang="en-US" altLang="zh-CN" sz="2000">
+              <a:rPr lang="en-US" altLang="zh-CN" sz="2000" b="1">
+                <a:solidFill>
+                  <a:srgbClr val="FF0000"/>
+                </a:solidFill>
                 <a:sym typeface="+mn-ea"/>
               </a:rPr>
-              <a:t>3</a:t>
-            </a:r>
-            <a:r>
-              <a:rPr lang="zh-CN" altLang="en-US" sz="2000">
+              <a:t>6</a:t>
+            </a:r>
+            <a:r>
+              <a:rPr lang="zh-CN" altLang="en-US" sz="2000" b="1">
+                <a:solidFill>
+                  <a:srgbClr val="FF0000"/>
+                </a:solidFill>
                 <a:sym typeface="+mn-ea"/>
               </a:rPr>
               <a:t>：</a:t>
@@ -7342,7 +7370,7 @@
               <a:rPr lang="zh-CN" altLang="en-US" sz="2000">
                 <a:sym typeface="+mn-ea"/>
               </a:rPr>
-              <a:t>       def say(msg):</a:t>
+              <a:t>def say(msg):</a:t>
             </a:r>
             <a:endParaRPr lang="zh-CN" altLang="en-US" sz="2000">
               <a:sym typeface="+mn-ea"/>
@@ -7360,37 +7388,7 @@
               <a:rPr lang="zh-CN" altLang="en-US" sz="2000">
                 <a:sym typeface="+mn-ea"/>
               </a:rPr>
-              <a:t>            </a:t>
-            </a:r>
-            <a:r>
-              <a:rPr lang="zh-CN" altLang="en-US" sz="2000">
-                <a:sym typeface="+mn-ea"/>
-              </a:rPr>
-              <a:t>msg </a:t>
-            </a:r>
-            <a:r>
-              <a:rPr lang="en-US" altLang="zh-CN" sz="2000">
-                <a:sym typeface="+mn-ea"/>
-              </a:rPr>
-              <a:t>= “</a:t>
-            </a:r>
-            <a:r>
-              <a:rPr lang="zh-CN" altLang="en-US" sz="2000">
-                <a:sym typeface="+mn-ea"/>
-              </a:rPr>
-              <a:t>小名</a:t>
-            </a:r>
-            <a:r>
-              <a:rPr lang="en-US" altLang="zh-CN" sz="2000">
-                <a:sym typeface="+mn-ea"/>
-              </a:rPr>
-              <a:t>:</a:t>
-            </a:r>
-            <a:r>
-              <a:rPr lang="en-US" altLang="zh-CN" sz="2000">
-                <a:sym typeface="+mn-ea"/>
-              </a:rPr>
-              <a:t>”+msg</a:t>
+              <a:t>    msg = "小明："+msg</a:t>
             </a:r>
             <a:endParaRPr lang="zh-CN" altLang="en-US" sz="2000">
               <a:sym typeface="+mn-ea"/>
@@ -7408,19 +7406,7 @@
               <a:rPr lang="zh-CN" altLang="en-US" sz="2000">
                 <a:sym typeface="+mn-ea"/>
               </a:rPr>
-              <a:t>            </a:t>
-            </a:r>
-            <a:r>
-              <a:rPr lang="en-US" altLang="zh-CN" sz="2000">
-                <a:sym typeface="+mn-ea"/>
-              </a:rPr>
-              <a:t>return </a:t>
-            </a:r>
-            <a:r>
-              <a:rPr lang="zh-CN" altLang="en-US" sz="2000">
-                <a:sym typeface="+mn-ea"/>
-              </a:rPr>
-              <a:t>msg</a:t>
+              <a:t>    return msg</a:t>
             </a:r>
             <a:endParaRPr lang="zh-CN" altLang="en-US" sz="2000">
               <a:sym typeface="+mn-ea"/>
@@ -7438,19 +7424,7 @@
               <a:rPr lang="zh-CN" altLang="en-US" sz="2000">
                 <a:sym typeface="+mn-ea"/>
               </a:rPr>
-              <a:t>       </a:t>
-            </a:r>
-            <a:r>
-              <a:rPr lang="en-US" altLang="zh-CN" sz="2000">
-                <a:sym typeface="+mn-ea"/>
-              </a:rPr>
-              <a:t>text=</a:t>
-            </a:r>
-            <a:r>
-              <a:rPr lang="zh-CN" altLang="en-US" sz="2000">
-                <a:sym typeface="+mn-ea"/>
-              </a:rPr>
-              <a:t>say("你好")</a:t>
+              <a:t>text=say("你好")</a:t>
             </a:r>
             <a:endParaRPr lang="zh-CN" altLang="en-US" sz="2000">
               <a:sym typeface="+mn-ea"/>
@@ -7465,31 +7439,13 @@
               <a:buNone/>
             </a:pPr>
             <a:r>
-              <a:rPr lang="en-US" altLang="zh-CN" sz="2000">
-                <a:solidFill>
-                  <a:schemeClr val="tx1"/>
-                </a:solidFill>
-              </a:rPr>
-              <a:t>       print(</a:t>
-            </a:r>
-            <a:r>
-              <a:rPr lang="en-US" altLang="zh-CN" sz="2000">
+              <a:rPr lang="zh-CN" altLang="en-US" sz="2000">
                 <a:sym typeface="+mn-ea"/>
               </a:rPr>
-              <a:t>text</a:t>
-            </a:r>
-            <a:r>
-              <a:rPr lang="en-US" altLang="zh-CN" sz="2000">
-                <a:solidFill>
-                  <a:schemeClr val="tx1"/>
-                </a:solidFill>
-              </a:rPr>
-              <a:t>)</a:t>
-            </a:r>
-            <a:endParaRPr lang="en-US" altLang="zh-CN" sz="2000">
-              <a:solidFill>
-                <a:schemeClr val="tx1"/>
-              </a:solidFill>
+              <a:t>print(text)</a:t>
+            </a:r>
+            <a:endParaRPr lang="zh-CN" altLang="en-US" sz="2000">
+              <a:sym typeface="+mn-ea"/>
             </a:endParaRPr>
           </a:p>
         </p:txBody>
@@ -7547,6 +7503,654 @@
 </file>
 
 <file path=ppt/slides/slide16.xml><?xml version="1.0" encoding="utf-8"?>
+<p:sld xmlns:a="http://schemas.openxmlformats.org/drawingml/2006/main" xmlns:r="http://schemas.openxmlformats.org/officeDocument/2006/relationships" xmlns:p="http://schemas.openxmlformats.org/presentationml/2006/main">
+  <p:cSld>
+    <p:spTree>
+      <p:nvGrpSpPr>
+        <p:cNvPr id="1" name=""/>
+        <p:cNvGrpSpPr/>
+        <p:nvPr/>
+      </p:nvGrpSpPr>
+      <p:grpSpPr>
+        <a:xfrm>
+          <a:off x="0" y="0"/>
+          <a:ext cx="0" cy="0"/>
+          <a:chOff x="0" y="0"/>
+          <a:chExt cx="0" cy="0"/>
+        </a:xfrm>
+      </p:grpSpPr>
+      <p:sp>
+        <p:nvSpPr>
+          <p:cNvPr id="16386" name="文本框 3"/>
+          <p:cNvSpPr txBox="1">
+            <a:spLocks noChangeArrowheads="1"/>
+          </p:cNvSpPr>
+          <p:nvPr/>
+        </p:nvSpPr>
+        <p:spPr bwMode="auto">
+          <a:xfrm>
+            <a:off x="887413" y="419100"/>
+            <a:ext cx="3729037" cy="368300"/>
+          </a:xfrm>
+          <a:prstGeom prst="rect">
+            <a:avLst/>
+          </a:prstGeom>
+          <a:noFill/>
+          <a:ln>
+            <a:noFill/>
+          </a:ln>
+          <a:extLst>
+            <a:ext uri="{909E8E84-426E-40DD-AFC4-6F175D3DCCD1}">
+              <a14:hiddenFill xmlns:a14="http://schemas.microsoft.com/office/drawing/2010/main">
+                <a:solidFill>
+                  <a:srgbClr val="FFFFFF"/>
+                </a:solidFill>
+              </a14:hiddenFill>
+            </a:ext>
+            <a:ext uri="{91240B29-F687-4F45-9708-019B960494DF}">
+              <a14:hiddenLine xmlns:a14="http://schemas.microsoft.com/office/drawing/2010/main" w="9525">
+                <a:solidFill>
+                  <a:srgbClr val="000000"/>
+                </a:solidFill>
+                <a:miter lim="800000"/>
+                <a:headEnd/>
+                <a:tailEnd/>
+              </a14:hiddenLine>
+            </a:ext>
+          </a:extLst>
+        </p:spPr>
+        <p:txBody>
+          <a:bodyPr>
+            <a:spAutoFit/>
+          </a:bodyPr>
+          <a:lstStyle>
+            <a:lvl1pPr eaLnBrk="0" hangingPunct="0">
+              <a:defRPr>
+                <a:solidFill>
+                  <a:schemeClr val="tx1"/>
+                </a:solidFill>
+                <a:latin typeface="等线" panose="02010600030101010101" charset="-122"/>
+                <a:ea typeface="等线" panose="02010600030101010101" charset="-122"/>
+                <a:cs typeface="等线" panose="02010600030101010101" charset="-122"/>
+              </a:defRPr>
+            </a:lvl1pPr>
+            <a:lvl2pPr marL="742950" indent="-285750" eaLnBrk="0" hangingPunct="0">
+              <a:defRPr>
+                <a:solidFill>
+                  <a:schemeClr val="tx1"/>
+                </a:solidFill>
+                <a:latin typeface="等线" panose="02010600030101010101" charset="-122"/>
+                <a:ea typeface="等线" panose="02010600030101010101" charset="-122"/>
+                <a:cs typeface="等线" panose="02010600030101010101" charset="-122"/>
+              </a:defRPr>
+            </a:lvl2pPr>
+            <a:lvl3pPr marL="1143000" indent="-228600" eaLnBrk="0" hangingPunct="0">
+              <a:defRPr>
+                <a:solidFill>
+                  <a:schemeClr val="tx1"/>
+                </a:solidFill>
+                <a:latin typeface="等线" panose="02010600030101010101" charset="-122"/>
+                <a:ea typeface="等线" panose="02010600030101010101" charset="-122"/>
+                <a:cs typeface="等线" panose="02010600030101010101" charset="-122"/>
+              </a:defRPr>
+            </a:lvl3pPr>
+            <a:lvl4pPr marL="1600200" indent="-228600" eaLnBrk="0" hangingPunct="0">
+              <a:defRPr>
+                <a:solidFill>
+                  <a:schemeClr val="tx1"/>
+                </a:solidFill>
+                <a:latin typeface="等线" panose="02010600030101010101" charset="-122"/>
+                <a:ea typeface="等线" panose="02010600030101010101" charset="-122"/>
+                <a:cs typeface="等线" panose="02010600030101010101" charset="-122"/>
+              </a:defRPr>
+            </a:lvl4pPr>
+            <a:lvl5pPr marL="2057400" indent="-228600" eaLnBrk="0" hangingPunct="0">
+              <a:defRPr>
+                <a:solidFill>
+                  <a:schemeClr val="tx1"/>
+                </a:solidFill>
+                <a:latin typeface="等线" panose="02010600030101010101" charset="-122"/>
+                <a:ea typeface="等线" panose="02010600030101010101" charset="-122"/>
+                <a:cs typeface="等线" panose="02010600030101010101" charset="-122"/>
+              </a:defRPr>
+            </a:lvl5pPr>
+            <a:lvl6pPr marL="2514600" indent="-228600" eaLnBrk="0" fontAlgn="base" hangingPunct="0">
+              <a:spcBef>
+                <a:spcPct val="0"/>
+              </a:spcBef>
+              <a:spcAft>
+                <a:spcPct val="0"/>
+              </a:spcAft>
+              <a:defRPr>
+                <a:solidFill>
+                  <a:schemeClr val="tx1"/>
+                </a:solidFill>
+                <a:latin typeface="等线" panose="02010600030101010101" charset="-122"/>
+                <a:ea typeface="等线" panose="02010600030101010101" charset="-122"/>
+                <a:cs typeface="等线" panose="02010600030101010101" charset="-122"/>
+              </a:defRPr>
+            </a:lvl6pPr>
+            <a:lvl7pPr marL="2971800" indent="-228600" eaLnBrk="0" fontAlgn="base" hangingPunct="0">
+              <a:spcBef>
+                <a:spcPct val="0"/>
+              </a:spcBef>
+              <a:spcAft>
+                <a:spcPct val="0"/>
+              </a:spcAft>
+              <a:defRPr>
+                <a:solidFill>
+                  <a:schemeClr val="tx1"/>
+                </a:solidFill>
+                <a:latin typeface="等线" panose="02010600030101010101" charset="-122"/>
+                <a:ea typeface="等线" panose="02010600030101010101" charset="-122"/>
+                <a:cs typeface="等线" panose="02010600030101010101" charset="-122"/>
+              </a:defRPr>
+            </a:lvl7pPr>
+            <a:lvl8pPr marL="3429000" indent="-228600" eaLnBrk="0" fontAlgn="base" hangingPunct="0">
+              <a:spcBef>
+                <a:spcPct val="0"/>
+              </a:spcBef>
+              <a:spcAft>
+                <a:spcPct val="0"/>
+              </a:spcAft>
+              <a:defRPr>
+                <a:solidFill>
+                  <a:schemeClr val="tx1"/>
+                </a:solidFill>
+                <a:latin typeface="等线" panose="02010600030101010101" charset="-122"/>
+                <a:ea typeface="等线" panose="02010600030101010101" charset="-122"/>
+                <a:cs typeface="等线" panose="02010600030101010101" charset="-122"/>
+              </a:defRPr>
+            </a:lvl8pPr>
+            <a:lvl9pPr marL="3886200" indent="-228600" eaLnBrk="0" fontAlgn="base" hangingPunct="0">
+              <a:spcBef>
+                <a:spcPct val="0"/>
+              </a:spcBef>
+              <a:spcAft>
+                <a:spcPct val="0"/>
+              </a:spcAft>
+              <a:defRPr>
+                <a:solidFill>
+                  <a:schemeClr val="tx1"/>
+                </a:solidFill>
+                <a:latin typeface="等线" panose="02010600030101010101" charset="-122"/>
+                <a:ea typeface="等线" panose="02010600030101010101" charset="-122"/>
+                <a:cs typeface="等线" panose="02010600030101010101" charset="-122"/>
+              </a:defRPr>
+            </a:lvl9pPr>
+          </a:lstStyle>
+          <a:p>
+            <a:pPr eaLnBrk="1" hangingPunct="1"/>
+            <a:r>
+              <a:rPr lang="zh-CN" altLang="en-US" dirty="0" smtClean="0">
+                <a:solidFill>
+                  <a:schemeClr val="tx1"/>
+                </a:solidFill>
+                <a:latin typeface="微软雅黑" panose="020B0503020204020204" pitchFamily="34" charset="-122"/>
+                <a:ea typeface="微软雅黑" panose="020B0503020204020204" pitchFamily="34" charset="-122"/>
+                <a:sym typeface="+mn-ea"/>
+              </a:rPr>
+              <a:t>条件语句</a:t>
+            </a:r>
+            <a:endParaRPr lang="zh-CN" altLang="en-US" dirty="0" smtClean="0">
+              <a:solidFill>
+                <a:schemeClr val="tx1"/>
+              </a:solidFill>
+              <a:latin typeface="微软雅黑" panose="020B0503020204020204" pitchFamily="34" charset="-122"/>
+              <a:ea typeface="微软雅黑" panose="020B0503020204020204" pitchFamily="34" charset="-122"/>
+              <a:sym typeface="+mn-ea"/>
+            </a:endParaRPr>
+          </a:p>
+        </p:txBody>
+      </p:sp>
+      <p:pic>
+        <p:nvPicPr>
+          <p:cNvPr id="17411" name="Picture 3" descr="C:\Users\Bob\Desktop\图片素材\8258a2e7ef69f732cb3090123406204.png"/>
+          <p:cNvPicPr>
+            <a:picLocks noChangeAspect="1" noChangeArrowheads="1"/>
+          </p:cNvPicPr>
+          <p:nvPr/>
+        </p:nvPicPr>
+        <p:blipFill>
+          <a:blip r:embed="rId1">
+            <a:extLst>
+              <a:ext uri="{28A0092B-C50C-407E-A947-70E740481C1C}">
+                <a14:useLocalDpi xmlns:a14="http://schemas.microsoft.com/office/drawing/2010/main" val="0"/>
+              </a:ext>
+            </a:extLst>
+          </a:blip>
+          <a:srcRect/>
+          <a:stretch>
+            <a:fillRect/>
+          </a:stretch>
+        </p:blipFill>
+        <p:spPr bwMode="auto">
+          <a:xfrm>
+            <a:off x="800418" y="1660525"/>
+            <a:ext cx="2039937" cy="2916238"/>
+          </a:xfrm>
+          <a:prstGeom prst="rect">
+            <a:avLst/>
+          </a:prstGeom>
+          <a:noFill/>
+          <a:ln>
+            <a:noFill/>
+          </a:ln>
+          <a:extLst>
+            <a:ext uri="{909E8E84-426E-40DD-AFC4-6F175D3DCCD1}">
+              <a14:hiddenFill xmlns:a14="http://schemas.microsoft.com/office/drawing/2010/main">
+                <a:solidFill>
+                  <a:srgbClr val="FFFFFF"/>
+                </a:solidFill>
+              </a14:hiddenFill>
+            </a:ext>
+            <a:ext uri="{91240B29-F687-4F45-9708-019B960494DF}">
+              <a14:hiddenLine xmlns:a14="http://schemas.microsoft.com/office/drawing/2010/main" w="9525">
+                <a:solidFill>
+                  <a:srgbClr val="000000"/>
+                </a:solidFill>
+                <a:miter lim="800000"/>
+                <a:headEnd/>
+                <a:tailEnd/>
+              </a14:hiddenLine>
+            </a:ext>
+          </a:extLst>
+        </p:spPr>
+      </p:pic>
+      <p:sp>
+        <p:nvSpPr>
+          <p:cNvPr id="2" name="文本框 1"/>
+          <p:cNvSpPr txBox="1"/>
+          <p:nvPr/>
+        </p:nvSpPr>
+        <p:spPr>
+          <a:xfrm>
+            <a:off x="3676015" y="1339850"/>
+            <a:ext cx="5650230" cy="5169535"/>
+          </a:xfrm>
+          <a:prstGeom prst="rect">
+            <a:avLst/>
+          </a:prstGeom>
+          <a:noFill/>
+        </p:spPr>
+        <p:txBody>
+          <a:bodyPr wrap="square" rtlCol="0" anchor="t">
+            <a:spAutoFit/>
+          </a:bodyPr>
+          <a:p>
+            <a:pPr>
+              <a:lnSpc>
+                <a:spcPct val="150000"/>
+              </a:lnSpc>
+            </a:pPr>
+            <a:r>
+              <a:rPr lang="zh-CN" altLang="en-US" sz="2000">
+                <a:solidFill>
+                  <a:schemeClr val="tx1"/>
+                </a:solidFill>
+              </a:rPr>
+              <a:t>**例</a:t>
+            </a:r>
+            <a:r>
+              <a:rPr lang="en-US" altLang="zh-CN" sz="2000">
+                <a:solidFill>
+                  <a:schemeClr val="tx1"/>
+                </a:solidFill>
+              </a:rPr>
+              <a:t>7</a:t>
+            </a:r>
+            <a:r>
+              <a:rPr lang="zh-CN" altLang="en-US" sz="2000">
+                <a:solidFill>
+                  <a:schemeClr val="tx1"/>
+                </a:solidFill>
+              </a:rPr>
+              <a:t>**</a:t>
+            </a:r>
+            <a:endParaRPr lang="zh-CN" altLang="en-US" sz="2000">
+              <a:solidFill>
+                <a:schemeClr val="tx1"/>
+              </a:solidFill>
+            </a:endParaRPr>
+          </a:p>
+          <a:p>
+            <a:pPr>
+              <a:lnSpc>
+                <a:spcPct val="150000"/>
+              </a:lnSpc>
+            </a:pPr>
+            <a:endParaRPr lang="zh-CN" altLang="en-US" sz="2000">
+              <a:solidFill>
+                <a:schemeClr val="tx1"/>
+              </a:solidFill>
+            </a:endParaRPr>
+          </a:p>
+          <a:p>
+            <a:pPr>
+              <a:lnSpc>
+                <a:spcPct val="150000"/>
+              </a:lnSpc>
+            </a:pPr>
+            <a:r>
+              <a:rPr lang="en-US" altLang="zh-CN" sz="2000">
+                <a:solidFill>
+                  <a:schemeClr val="tx1"/>
+                </a:solidFill>
+              </a:rPr>
+              <a:t>1</a:t>
+            </a:r>
+            <a:r>
+              <a:rPr lang="zh-CN" altLang="en-US" sz="2000">
+                <a:solidFill>
+                  <a:schemeClr val="tx1"/>
+                </a:solidFill>
+              </a:rPr>
+              <a:t>，</a:t>
+            </a:r>
+            <a:r>
+              <a:rPr lang="zh-CN" altLang="en-US" sz="2000">
+                <a:solidFill>
+                  <a:schemeClr val="tx1"/>
+                </a:solidFill>
+              </a:rPr>
+              <a:t>编写一个函数，执行以下功能</a:t>
+            </a:r>
+            <a:endParaRPr lang="zh-CN" altLang="en-US" sz="2000">
+              <a:solidFill>
+                <a:schemeClr val="tx1"/>
+              </a:solidFill>
+            </a:endParaRPr>
+          </a:p>
+          <a:p>
+            <a:pPr>
+              <a:lnSpc>
+                <a:spcPct val="150000"/>
+              </a:lnSpc>
+            </a:pPr>
+            <a:r>
+              <a:rPr lang="zh-CN" altLang="en-US" sz="2000">
+                <a:solidFill>
+                  <a:schemeClr val="tx1"/>
+                </a:solidFill>
+              </a:rPr>
+              <a:t>（</a:t>
+            </a:r>
+            <a:r>
+              <a:rPr lang="en-US" altLang="zh-CN" sz="2000">
+                <a:solidFill>
+                  <a:schemeClr val="tx1"/>
+                </a:solidFill>
+              </a:rPr>
+              <a:t>1</a:t>
+            </a:r>
+            <a:r>
+              <a:rPr lang="zh-CN" altLang="en-US" sz="2000">
+                <a:solidFill>
+                  <a:schemeClr val="tx1"/>
+                </a:solidFill>
+              </a:rPr>
+              <a:t>）接收外面传进来的年龄</a:t>
+            </a:r>
+            <a:endParaRPr lang="zh-CN" altLang="en-US" sz="2000">
+              <a:solidFill>
+                <a:schemeClr val="tx1"/>
+              </a:solidFill>
+            </a:endParaRPr>
+          </a:p>
+          <a:p>
+            <a:pPr>
+              <a:lnSpc>
+                <a:spcPct val="150000"/>
+              </a:lnSpc>
+            </a:pPr>
+            <a:r>
+              <a:rPr lang="zh-CN" altLang="en-US" sz="2000">
+                <a:solidFill>
+                  <a:schemeClr val="tx1"/>
+                </a:solidFill>
+              </a:rPr>
+              <a:t>（</a:t>
+            </a:r>
+            <a:r>
+              <a:rPr lang="en-US" altLang="zh-CN" sz="2000">
+                <a:solidFill>
+                  <a:schemeClr val="tx1"/>
+                </a:solidFill>
+              </a:rPr>
+              <a:t>2</a:t>
+            </a:r>
+            <a:r>
+              <a:rPr lang="zh-CN" altLang="en-US" sz="2000">
+                <a:solidFill>
+                  <a:schemeClr val="tx1"/>
+                </a:solidFill>
+              </a:rPr>
+              <a:t>）判断是否满 18 岁 （如：</a:t>
+            </a:r>
+            <a:r>
+              <a:rPr lang="en-US" altLang="zh-CN" sz="2000">
+                <a:solidFill>
+                  <a:schemeClr val="tx1"/>
+                </a:solidFill>
+              </a:rPr>
+              <a:t>age</a:t>
+            </a:r>
+            <a:r>
+              <a:rPr lang="zh-CN" altLang="en-US" sz="2000">
+                <a:solidFill>
+                  <a:schemeClr val="tx1"/>
+                </a:solidFill>
+              </a:rPr>
+              <a:t>&gt;=</a:t>
+            </a:r>
+            <a:r>
+              <a:rPr lang="en-US" altLang="zh-CN" sz="2000">
+                <a:solidFill>
+                  <a:schemeClr val="tx1"/>
+                </a:solidFill>
+              </a:rPr>
+              <a:t>18</a:t>
+            </a:r>
+            <a:r>
+              <a:rPr lang="zh-CN" altLang="en-US" sz="2000">
+                <a:solidFill>
+                  <a:schemeClr val="tx1"/>
+                </a:solidFill>
+              </a:rPr>
+              <a:t>）</a:t>
+            </a:r>
+            <a:endParaRPr lang="zh-CN" altLang="en-US" sz="2000">
+              <a:solidFill>
+                <a:schemeClr val="tx1"/>
+              </a:solidFill>
+            </a:endParaRPr>
+          </a:p>
+          <a:p>
+            <a:pPr>
+              <a:lnSpc>
+                <a:spcPct val="150000"/>
+              </a:lnSpc>
+            </a:pPr>
+            <a:r>
+              <a:rPr lang="zh-CN" altLang="en-US" sz="2000">
+                <a:solidFill>
+                  <a:schemeClr val="tx1"/>
+                </a:solidFill>
+              </a:rPr>
+              <a:t>（</a:t>
+            </a:r>
+            <a:r>
+              <a:rPr lang="en-US" altLang="zh-CN" sz="2000">
+                <a:solidFill>
+                  <a:schemeClr val="tx1"/>
+                </a:solidFill>
+              </a:rPr>
+              <a:t>3</a:t>
+            </a:r>
+            <a:r>
+              <a:rPr lang="zh-CN" altLang="en-US" sz="2000">
+                <a:solidFill>
+                  <a:schemeClr val="tx1"/>
+                </a:solidFill>
+              </a:rPr>
+              <a:t>）如果满 18 岁，返回</a:t>
+            </a:r>
+            <a:r>
+              <a:rPr lang="en-US" altLang="zh-CN" sz="2000">
+                <a:solidFill>
+                  <a:schemeClr val="tx1"/>
+                </a:solidFill>
+              </a:rPr>
+              <a:t>True</a:t>
+            </a:r>
+            <a:endParaRPr lang="zh-CN" altLang="en-US" sz="2000">
+              <a:solidFill>
+                <a:schemeClr val="tx1"/>
+              </a:solidFill>
+            </a:endParaRPr>
+          </a:p>
+          <a:p>
+            <a:pPr>
+              <a:lnSpc>
+                <a:spcPct val="150000"/>
+              </a:lnSpc>
+            </a:pPr>
+            <a:r>
+              <a:rPr lang="zh-CN" altLang="en-US" sz="2000">
+                <a:solidFill>
+                  <a:schemeClr val="tx1"/>
+                </a:solidFill>
+              </a:rPr>
+              <a:t>（</a:t>
+            </a:r>
+            <a:r>
+              <a:rPr lang="en-US" altLang="zh-CN" sz="2000">
+                <a:solidFill>
+                  <a:schemeClr val="tx1"/>
+                </a:solidFill>
+              </a:rPr>
+              <a:t>4</a:t>
+            </a:r>
+            <a:r>
+              <a:rPr lang="zh-CN" altLang="en-US" sz="2000">
+                <a:solidFill>
+                  <a:schemeClr val="tx1"/>
+                </a:solidFill>
+              </a:rPr>
+              <a:t>）如果未满 18 岁，返回False</a:t>
+            </a:r>
+            <a:endParaRPr lang="zh-CN" altLang="en-US" sz="2000">
+              <a:solidFill>
+                <a:schemeClr val="tx1"/>
+              </a:solidFill>
+            </a:endParaRPr>
+          </a:p>
+          <a:p>
+            <a:pPr>
+              <a:lnSpc>
+                <a:spcPct val="150000"/>
+              </a:lnSpc>
+            </a:pPr>
+            <a:r>
+              <a:rPr lang="en-US" altLang="zh-CN" sz="2000">
+                <a:solidFill>
+                  <a:schemeClr val="tx1"/>
+                </a:solidFill>
+              </a:rPr>
+              <a:t>2</a:t>
+            </a:r>
+            <a:r>
+              <a:rPr lang="zh-CN" altLang="en-US" sz="2000">
+                <a:solidFill>
+                  <a:schemeClr val="tx1"/>
+                </a:solidFill>
+              </a:rPr>
+              <a:t>，用键盘输入年龄，并且把年龄转为整型数值，保存到</a:t>
+            </a:r>
+            <a:r>
+              <a:rPr lang="en-US" altLang="zh-CN" sz="2000">
+                <a:solidFill>
+                  <a:schemeClr val="tx1"/>
+                </a:solidFill>
+              </a:rPr>
+              <a:t>age</a:t>
+            </a:r>
+            <a:endParaRPr lang="zh-CN" altLang="en-US" sz="2000">
+              <a:solidFill>
+                <a:schemeClr val="tx1"/>
+              </a:solidFill>
+            </a:endParaRPr>
+          </a:p>
+          <a:p>
+            <a:pPr>
+              <a:lnSpc>
+                <a:spcPct val="150000"/>
+              </a:lnSpc>
+            </a:pPr>
+            <a:r>
+              <a:rPr lang="en-US" altLang="zh-CN" sz="2000">
+                <a:solidFill>
+                  <a:schemeClr val="tx1"/>
+                </a:solidFill>
+              </a:rPr>
+              <a:t>3</a:t>
+            </a:r>
+            <a:r>
+              <a:rPr lang="zh-CN" altLang="en-US" sz="2000">
+                <a:solidFill>
+                  <a:schemeClr val="tx1"/>
+                </a:solidFill>
+              </a:rPr>
+              <a:t>，调用该函数，并且把</a:t>
+            </a:r>
+            <a:r>
+              <a:rPr lang="en-US" altLang="zh-CN" sz="2000">
+                <a:solidFill>
+                  <a:schemeClr val="tx1"/>
+                </a:solidFill>
+              </a:rPr>
+              <a:t>age</a:t>
+            </a:r>
+            <a:r>
+              <a:rPr lang="zh-CN" altLang="en-US" sz="2000">
+                <a:solidFill>
+                  <a:schemeClr val="tx1"/>
+                </a:solidFill>
+              </a:rPr>
+              <a:t>给函数</a:t>
+            </a:r>
+            <a:r>
+              <a:rPr lang="zh-CN" altLang="en-US" sz="2000">
+                <a:solidFill>
+                  <a:schemeClr val="tx1"/>
+                </a:solidFill>
+              </a:rPr>
+              <a:t>，根据返回值输出不同的结果</a:t>
+            </a:r>
+            <a:endParaRPr lang="zh-CN" altLang="en-US" sz="2000">
+              <a:solidFill>
+                <a:schemeClr val="tx1"/>
+              </a:solidFill>
+            </a:endParaRPr>
+          </a:p>
+        </p:txBody>
+      </p:sp>
+    </p:spTree>
+  </p:cSld>
+  <p:clrMapOvr>
+    <a:masterClrMapping/>
+  </p:clrMapOvr>
+  <p:timing>
+    <p:tnLst>
+      <p:par>
+        <p:cTn id="1" dur="indefinite" restart="never" nodeType="tmRoot"/>
+      </p:par>
+    </p:tnLst>
+  </p:timing>
+</p:sld>
+</file>
+
+<file path=ppt/slides/slide17.xml><?xml version="1.0" encoding="utf-8"?>
 <p:sld xmlns:a="http://schemas.openxmlformats.org/drawingml/2006/main" xmlns:r="http://schemas.openxmlformats.org/officeDocument/2006/relationships" xmlns:p="http://schemas.openxmlformats.org/presentationml/2006/main">
   <p:cSld>
     <p:bg>
@@ -7942,7 +8546,7 @@
 </p:sld>
 </file>
 
-<file path=ppt/slides/slide17.xml><?xml version="1.0" encoding="utf-8"?>
+<file path=ppt/slides/slide18.xml><?xml version="1.0" encoding="utf-8"?>
 <p:sld xmlns:a="http://schemas.openxmlformats.org/drawingml/2006/main" xmlns:r="http://schemas.openxmlformats.org/officeDocument/2006/relationships" xmlns:p="http://schemas.openxmlformats.org/presentationml/2006/main">
   <p:cSld>
     <p:bg>
@@ -9038,8 +9642,8 @@
         </p:nvSpPr>
         <p:spPr>
           <a:xfrm>
-            <a:off x="4316730" y="2241868"/>
-            <a:ext cx="4014788" cy="1753235"/>
+            <a:off x="4316730" y="1965325"/>
+            <a:ext cx="5231130" cy="2306955"/>
           </a:xfrm>
           <a:prstGeom prst="rect">
             <a:avLst/>
@@ -9047,7 +9651,7 @@
           <a:noFill/>
         </p:spPr>
         <p:txBody>
-          <a:bodyPr anchor="ctr">
+          <a:bodyPr wrap="square" anchor="ctr">
             <a:spAutoFit/>
           </a:bodyPr>
           <a:p>
@@ -9066,12 +9670,16 @@
               <a:defRPr/>
             </a:pPr>
             <a:r>
-              <a:rPr lang="zh-CN" altLang="en-US" sz="2400" dirty="0" smtClean="0">
+              <a:rPr lang="zh-CN" altLang="en-US" sz="2400" kern="0" dirty="0">
+                <a:solidFill>
+                  <a:srgbClr val="000000"/>
+                </a:solidFill>
                 <a:latin typeface="微软雅黑" panose="020B0503020204020204" pitchFamily="34" charset="-122"/>
                 <a:ea typeface="微软雅黑" panose="020B0503020204020204" pitchFamily="34" charset="-122"/>
-                <a:sym typeface="+mn-ea"/>
-              </a:rPr>
-              <a:t>理解简单数学运算</a:t>
+                <a:cs typeface="+mn-cs"/>
+                <a:sym typeface="微软雅黑" panose="020B0503020204020204" pitchFamily="34" charset="-122"/>
+              </a:rPr>
+              <a:t>有几种数据类型？</a:t>
             </a:r>
             <a:endParaRPr lang="en-US" altLang="zh-CN" sz="2400" kern="0" dirty="0">
               <a:solidFill>
@@ -9104,7 +9712,7 @@
                 <a:ea typeface="微软雅黑" panose="020B0503020204020204" pitchFamily="34" charset="-122"/>
                 <a:sym typeface="+mn-ea"/>
               </a:rPr>
-              <a:t>了解人机对话</a:t>
+              <a:t>浮点数转为小数的规则？</a:t>
             </a:r>
             <a:endParaRPr lang="en-US" altLang="zh-CN" sz="2400" kern="0" dirty="0">
               <a:solidFill>
@@ -9137,7 +9745,40 @@
                 <a:ea typeface="微软雅黑" panose="020B0503020204020204" pitchFamily="34" charset="-122"/>
                 <a:sym typeface="+mn-ea"/>
               </a:rPr>
-              <a:t>条件语句</a:t>
+              <a:t>怎么获得键盘输入的数据？</a:t>
+            </a:r>
+            <a:endParaRPr lang="zh-CN" altLang="en-US" sz="2400" dirty="0" smtClean="0">
+              <a:latin typeface="微软雅黑" panose="020B0503020204020204" pitchFamily="34" charset="-122"/>
+              <a:ea typeface="微软雅黑" panose="020B0503020204020204" pitchFamily="34" charset="-122"/>
+              <a:sym typeface="+mn-ea"/>
+            </a:endParaRPr>
+          </a:p>
+          <a:p>
+            <a:pPr marL="342900" indent="-342900" fontAlgn="auto" hangingPunct="0">
+              <a:lnSpc>
+                <a:spcPct val="150000"/>
+              </a:lnSpc>
+              <a:spcBef>
+                <a:spcPts val="0"/>
+              </a:spcBef>
+              <a:spcAft>
+                <a:spcPts val="0"/>
+              </a:spcAft>
+              <a:buFont typeface="Wingdings" panose="05000000000000000000" charset="0"/>
+              <a:buChar char="Ø"/>
+              <a:defRPr/>
+            </a:pPr>
+            <a:r>
+              <a:rPr lang="zh-CN" altLang="en-US" sz="2400" kern="0" dirty="0">
+                <a:solidFill>
+                  <a:srgbClr val="000000"/>
+                </a:solidFill>
+                <a:latin typeface="微软雅黑" panose="020B0503020204020204" pitchFamily="34" charset="-122"/>
+                <a:ea typeface="微软雅黑" panose="020B0503020204020204" pitchFamily="34" charset="-122"/>
+                <a:cs typeface="+mn-cs"/>
+                <a:sym typeface="微软雅黑" panose="020B0503020204020204" pitchFamily="34" charset="-122"/>
+              </a:rPr>
+              <a:t>什么是条件语句？</a:t>
             </a:r>
             <a:endParaRPr lang="zh-CN" altLang="en-US" sz="2400" kern="0" dirty="0">
               <a:solidFill>
@@ -10675,7 +11316,7 @@
         <p:spPr>
           <a:xfrm>
             <a:off x="3499485" y="1660525"/>
-            <a:ext cx="6127750" cy="4246245"/>
+            <a:ext cx="6127750" cy="4661535"/>
           </a:xfrm>
           <a:prstGeom prst="rect">
             <a:avLst/>
@@ -10696,9 +11337,9 @@
               <a:buSzPct val="80000"/>
             </a:pPr>
             <a:r>
-              <a:rPr dirty="0">
-                <a:solidFill>
-                  <a:srgbClr val="C00000"/>
+              <a:rPr lang="zh-CN" b="1" dirty="0">
+                <a:solidFill>
+                  <a:srgbClr val="FF0000"/>
                 </a:solidFill>
                 <a:effectLst/>
                 <a:latin typeface="微软雅黑" panose="020B0503020204020204" pitchFamily="34" charset="-122"/>
@@ -10706,7 +11347,33 @@
                 <a:cs typeface="微软雅黑" panose="020B0503020204020204" pitchFamily="34" charset="-122"/>
                 <a:sym typeface="+mn-ea"/>
               </a:rPr>
-              <a:t># 1. 定义重复次数计数器</a:t>
+              <a:t>例</a:t>
+            </a:r>
+            <a:r>
+              <a:rPr lang="en-US" altLang="zh-CN" b="1" dirty="0">
+                <a:solidFill>
+                  <a:srgbClr val="FF0000"/>
+                </a:solidFill>
+                <a:effectLst/>
+                <a:latin typeface="微软雅黑" panose="020B0503020204020204" pitchFamily="34" charset="-122"/>
+                <a:ea typeface="微软雅黑" panose="020B0503020204020204" pitchFamily="34" charset="-122"/>
+                <a:cs typeface="微软雅黑" panose="020B0503020204020204" pitchFamily="34" charset="-122"/>
+                <a:sym typeface="+mn-ea"/>
+              </a:rPr>
+              <a:t>1</a:t>
+            </a:r>
+            <a:r>
+              <a:rPr lang="zh-CN" altLang="en-US" b="1" dirty="0">
+                <a:solidFill>
+                  <a:srgbClr val="FF0000"/>
+                </a:solidFill>
+                <a:effectLst/>
+                <a:latin typeface="微软雅黑" panose="020B0503020204020204" pitchFamily="34" charset="-122"/>
+                <a:ea typeface="微软雅黑" panose="020B0503020204020204" pitchFamily="34" charset="-122"/>
+                <a:cs typeface="微软雅黑" panose="020B0503020204020204" pitchFamily="34" charset="-122"/>
+                <a:sym typeface="+mn-ea"/>
+              </a:rPr>
+              <a:t>：</a:t>
             </a:r>
             <a:endParaRPr dirty="0">
               <a:solidFill>
@@ -10730,7 +11397,7 @@
               <a:buSzPct val="80000"/>
             </a:pPr>
             <a:r>
-              <a:rPr dirty="0">
+              <a:rPr lang="zh-CN" altLang="en-US" dirty="0">
                 <a:solidFill>
                   <a:schemeClr val="tx1"/>
                 </a:solidFill>
@@ -10740,11 +11407,11 @@
                 <a:cs typeface="微软雅黑" panose="020B0503020204020204" pitchFamily="34" charset="-122"/>
                 <a:sym typeface="+mn-ea"/>
               </a:rPr>
-              <a:t>i = 1</a:t>
-            </a:r>
-            <a:endParaRPr dirty="0">
+              <a:t>#设置i为1</a:t>
+            </a:r>
+            <a:endParaRPr lang="zh-CN" altLang="en-US" dirty="0">
               <a:solidFill>
-                <a:srgbClr val="C00000"/>
+                <a:schemeClr val="tx1"/>
               </a:solidFill>
               <a:effectLst/>
               <a:latin typeface="微软雅黑" panose="020B0503020204020204" pitchFamily="34" charset="-122"/>
@@ -10764,9 +11431,9 @@
               <a:buSzPct val="80000"/>
             </a:pPr>
             <a:r>
-              <a:rPr dirty="0">
-                <a:solidFill>
-                  <a:srgbClr val="C00000"/>
+              <a:rPr lang="zh-CN" altLang="en-US" dirty="0">
+                <a:solidFill>
+                  <a:schemeClr val="tx1"/>
                 </a:solidFill>
                 <a:effectLst/>
                 <a:latin typeface="微软雅黑" panose="020B0503020204020204" pitchFamily="34" charset="-122"/>
@@ -10774,11 +11441,11 @@
                 <a:cs typeface="微软雅黑" panose="020B0503020204020204" pitchFamily="34" charset="-122"/>
                 <a:sym typeface="+mn-ea"/>
               </a:rPr>
-              <a:t># 2. 使用 while 判断条件</a:t>
-            </a:r>
-            <a:endParaRPr dirty="0">
+              <a:t>i = 1</a:t>
+            </a:r>
+            <a:endParaRPr lang="zh-CN" altLang="en-US" dirty="0">
               <a:solidFill>
-                <a:srgbClr val="C00000"/>
+                <a:schemeClr val="tx1"/>
               </a:solidFill>
               <a:effectLst/>
               <a:latin typeface="微软雅黑" panose="020B0503020204020204" pitchFamily="34" charset="-122"/>
@@ -10798,7 +11465,7 @@
               <a:buSzPct val="80000"/>
             </a:pPr>
             <a:r>
-              <a:rPr dirty="0">
+              <a:rPr lang="zh-CN" altLang="en-US" dirty="0">
                 <a:solidFill>
                   <a:schemeClr val="tx1"/>
                 </a:solidFill>
@@ -10808,11 +11475,11 @@
                 <a:cs typeface="微软雅黑" panose="020B0503020204020204" pitchFamily="34" charset="-122"/>
                 <a:sym typeface="+mn-ea"/>
               </a:rPr>
-              <a:t>while i &lt;= 5:</a:t>
-            </a:r>
-            <a:endParaRPr dirty="0">
+              <a:t>#  while 判断条件</a:t>
+            </a:r>
+            <a:endParaRPr lang="zh-CN" altLang="en-US" dirty="0">
               <a:solidFill>
-                <a:srgbClr val="C00000"/>
+                <a:schemeClr val="tx1"/>
               </a:solidFill>
               <a:effectLst/>
               <a:latin typeface="微软雅黑" panose="020B0503020204020204" pitchFamily="34" charset="-122"/>
@@ -10832,9 +11499,9 @@
               <a:buSzPct val="80000"/>
             </a:pPr>
             <a:r>
-              <a:rPr dirty="0">
-                <a:solidFill>
-                  <a:srgbClr val="C00000"/>
+              <a:rPr lang="zh-CN" altLang="en-US" dirty="0">
+                <a:solidFill>
+                  <a:schemeClr val="tx1"/>
                 </a:solidFill>
                 <a:effectLst/>
                 <a:latin typeface="微软雅黑" panose="020B0503020204020204" pitchFamily="34" charset="-122"/>
@@ -10842,11 +11509,11 @@
                 <a:cs typeface="微软雅黑" panose="020B0503020204020204" pitchFamily="34" charset="-122"/>
                 <a:sym typeface="+mn-ea"/>
               </a:rPr>
-              <a:t>    # 要重复执行的代码</a:t>
-            </a:r>
-            <a:endParaRPr dirty="0">
+              <a:t>while i &lt;= 5:</a:t>
+            </a:r>
+            <a:endParaRPr lang="zh-CN" altLang="en-US" dirty="0">
               <a:solidFill>
-                <a:srgbClr val="C00000"/>
+                <a:schemeClr val="tx1"/>
               </a:solidFill>
               <a:effectLst/>
               <a:latin typeface="微软雅黑" panose="020B0503020204020204" pitchFamily="34" charset="-122"/>
@@ -10866,9 +11533,9 @@
               <a:buSzPct val="80000"/>
             </a:pPr>
             <a:r>
-              <a:rPr dirty="0">
-                <a:solidFill>
-                  <a:srgbClr val="C00000"/>
+              <a:rPr lang="zh-CN" altLang="en-US" dirty="0">
+                <a:solidFill>
+                  <a:schemeClr val="tx1"/>
                 </a:solidFill>
                 <a:effectLst/>
                 <a:latin typeface="微软雅黑" panose="020B0503020204020204" pitchFamily="34" charset="-122"/>
@@ -10876,24 +11543,11 @@
                 <a:cs typeface="微软雅黑" panose="020B0503020204020204" pitchFamily="34" charset="-122"/>
                 <a:sym typeface="+mn-ea"/>
               </a:rPr>
-              <a:t>  </a:t>
-            </a:r>
-            <a:r>
-              <a:rPr dirty="0">
-                <a:solidFill>
-                  <a:schemeClr val="tx1"/>
-                </a:solidFill>
-                <a:effectLst/>
-                <a:latin typeface="微软雅黑" panose="020B0503020204020204" pitchFamily="34" charset="-122"/>
-                <a:ea typeface="微软雅黑" panose="020B0503020204020204" pitchFamily="34" charset="-122"/>
-                <a:cs typeface="微软雅黑" panose="020B0503020204020204" pitchFamily="34" charset="-122"/>
-                <a:sym typeface="+mn-ea"/>
-              </a:rPr>
-              <a:t>  print("Hello")</a:t>
-            </a:r>
-            <a:endParaRPr dirty="0">
+              <a:t>    # 重复执行的代码</a:t>
+            </a:r>
+            <a:endParaRPr lang="zh-CN" altLang="en-US" dirty="0">
               <a:solidFill>
-                <a:srgbClr val="C00000"/>
+                <a:schemeClr val="tx1"/>
               </a:solidFill>
               <a:effectLst/>
               <a:latin typeface="微软雅黑" panose="020B0503020204020204" pitchFamily="34" charset="-122"/>
@@ -10913,9 +11567,9 @@
               <a:buSzPct val="80000"/>
             </a:pPr>
             <a:r>
-              <a:rPr dirty="0">
-                <a:solidFill>
-                  <a:srgbClr val="C00000"/>
+              <a:rPr lang="zh-CN" altLang="en-US" dirty="0">
+                <a:solidFill>
+                  <a:schemeClr val="tx1"/>
                 </a:solidFill>
                 <a:effectLst/>
                 <a:latin typeface="微软雅黑" panose="020B0503020204020204" pitchFamily="34" charset="-122"/>
@@ -10923,11 +11577,11 @@
                 <a:cs typeface="微软雅黑" panose="020B0503020204020204" pitchFamily="34" charset="-122"/>
                 <a:sym typeface="+mn-ea"/>
               </a:rPr>
-              <a:t>    # 处理计数器 i</a:t>
-            </a:r>
-            <a:endParaRPr dirty="0">
+              <a:t>    print("Hello")</a:t>
+            </a:r>
+            <a:endParaRPr lang="zh-CN" altLang="en-US" dirty="0">
               <a:solidFill>
-                <a:srgbClr val="C00000"/>
+                <a:schemeClr val="tx1"/>
               </a:solidFill>
               <a:effectLst/>
               <a:latin typeface="微软雅黑" panose="020B0503020204020204" pitchFamily="34" charset="-122"/>
@@ -10947,9 +11601,9 @@
               <a:buSzPct val="80000"/>
             </a:pPr>
             <a:r>
-              <a:rPr dirty="0">
-                <a:solidFill>
-                  <a:srgbClr val="C00000"/>
+              <a:rPr lang="zh-CN" altLang="en-US" dirty="0">
+                <a:solidFill>
+                  <a:schemeClr val="tx1"/>
                 </a:solidFill>
                 <a:effectLst/>
                 <a:latin typeface="微软雅黑" panose="020B0503020204020204" pitchFamily="34" charset="-122"/>
@@ -10957,10 +11611,31 @@
                 <a:cs typeface="微软雅黑" panose="020B0503020204020204" pitchFamily="34" charset="-122"/>
                 <a:sym typeface="+mn-ea"/>
               </a:rPr>
-              <a:t> </a:t>
-            </a:r>
-            <a:r>
-              <a:rPr dirty="0">
+              <a:t>    # i增加1</a:t>
+            </a:r>
+            <a:endParaRPr lang="zh-CN" altLang="en-US" dirty="0">
+              <a:solidFill>
+                <a:schemeClr val="tx1"/>
+              </a:solidFill>
+              <a:effectLst/>
+              <a:latin typeface="微软雅黑" panose="020B0503020204020204" pitchFamily="34" charset="-122"/>
+              <a:ea typeface="微软雅黑" panose="020B0503020204020204" pitchFamily="34" charset="-122"/>
+              <a:cs typeface="微软雅黑" panose="020B0503020204020204" pitchFamily="34" charset="-122"/>
+              <a:sym typeface="+mn-ea"/>
+            </a:endParaRPr>
+          </a:p>
+          <a:p>
+            <a:pPr marL="571500" indent="-342900" eaLnBrk="1" hangingPunct="1">
+              <a:lnSpc>
+                <a:spcPct val="150000"/>
+              </a:lnSpc>
+              <a:buClr>
+                <a:schemeClr val="accent2"/>
+              </a:buClr>
+              <a:buSzPct val="80000"/>
+            </a:pPr>
+            <a:r>
+              <a:rPr lang="zh-CN" altLang="en-US" dirty="0">
                 <a:solidFill>
                   <a:schemeClr val="tx1"/>
                 </a:solidFill>
@@ -10970,20 +11645,7 @@
                 <a:cs typeface="微软雅黑" panose="020B0503020204020204" pitchFamily="34" charset="-122"/>
                 <a:sym typeface="+mn-ea"/>
               </a:rPr>
-              <a:t>   i = i + 1</a:t>
-            </a:r>
-            <a:r>
-              <a:rPr lang="zh-CN" altLang="en-US" dirty="0">
-                <a:solidFill>
-                  <a:schemeClr val="tx1"/>
-                </a:solidFill>
-                <a:effectLst/>
-                <a:latin typeface="微软雅黑" panose="020B0503020204020204" pitchFamily="34" charset="-122"/>
-                <a:ea typeface="微软雅黑" panose="020B0503020204020204" pitchFamily="34" charset="-122"/>
-                <a:cs typeface="微软雅黑" panose="020B0503020204020204" pitchFamily="34" charset="-122"/>
-                <a:sym typeface="+mn-ea"/>
-              </a:rPr>
-              <a:t> </a:t>
+              <a:t>    i = i + 1 </a:t>
             </a:r>
             <a:endParaRPr lang="zh-CN" altLang="en-US" dirty="0">
               <a:solidFill>
@@ -12174,7 +12836,7 @@
         <p:spPr>
           <a:xfrm>
             <a:off x="1954530" y="1714500"/>
-            <a:ext cx="7706995" cy="4107815"/>
+            <a:ext cx="7706995" cy="4939665"/>
           </a:xfrm>
           <a:prstGeom prst="rect">
             <a:avLst/>
@@ -12182,7 +12844,7 @@
           <a:noFill/>
         </p:spPr>
         <p:txBody>
-          <a:bodyPr wrap="square" rtlCol="0" anchor="t">
+          <a:bodyPr wrap="square" tIns="0" bIns="0" rtlCol="0" anchor="t">
             <a:spAutoFit/>
           </a:bodyPr>
           <a:p>
@@ -12192,15 +12854,33 @@
               </a:lnSpc>
             </a:pPr>
             <a:r>
-              <a:rPr sz="2000" b="1">
-                <a:solidFill>
-                  <a:schemeClr val="tx1"/>
+              <a:rPr lang="zh-CN" sz="2000" b="1">
+                <a:solidFill>
+                  <a:srgbClr val="FF0000"/>
                 </a:solidFill>
                 <a:sym typeface="+mn-ea"/>
               </a:rPr>
-              <a:t>i = 0</a:t>
-            </a:r>
-            <a:endParaRPr sz="2000" b="1">
+              <a:t>例</a:t>
+            </a:r>
+            <a:r>
+              <a:rPr lang="en-US" altLang="zh-CN" sz="2000" b="1">
+                <a:solidFill>
+                  <a:srgbClr val="FF0000"/>
+                </a:solidFill>
+                <a:sym typeface="+mn-ea"/>
+              </a:rPr>
+              <a:t>2</a:t>
+            </a:r>
+            <a:r>
+              <a:rPr lang="zh-CN" altLang="en-US" sz="2000" b="1">
+                <a:solidFill>
+                  <a:srgbClr val="FF0000"/>
+                </a:solidFill>
+                <a:sym typeface="+mn-ea"/>
+              </a:rPr>
+              <a:t>：</a:t>
+            </a:r>
+            <a:endParaRPr lang="zh-CN" altLang="en-US" sz="2000" b="1">
               <a:solidFill>
                 <a:schemeClr val="tx1"/>
               </a:solidFill>
@@ -12214,15 +12894,15 @@
               </a:lnSpc>
             </a:pPr>
             <a:r>
-              <a:rPr sz="2000" b="1">
+              <a:rPr sz="2000">
                 <a:solidFill>
                   <a:schemeClr val="tx1"/>
                 </a:solidFill>
                 <a:sym typeface="+mn-ea"/>
               </a:rPr>
-              <a:t>while i &lt; 10:</a:t>
-            </a:r>
-            <a:endParaRPr sz="2000" b="1">
+              <a:t>#设置i为0</a:t>
+            </a:r>
+            <a:endParaRPr sz="2000">
               <a:solidFill>
                 <a:schemeClr val="tx1"/>
               </a:solidFill>
@@ -12236,35 +12916,17 @@
               </a:lnSpc>
             </a:pPr>
             <a:r>
-              <a:rPr sz="2000" b="1">
+              <a:rPr sz="2000">
                 <a:solidFill>
                   <a:schemeClr val="tx1"/>
                 </a:solidFill>
                 <a:sym typeface="+mn-ea"/>
               </a:rPr>
-              <a:t>   </a:t>
-            </a:r>
-            <a:r>
-              <a:rPr b="1">
-                <a:solidFill>
-                  <a:schemeClr val="tx1"/>
-                </a:solidFill>
-                <a:sym typeface="+mn-ea"/>
-              </a:rPr>
-              <a:t> </a:t>
-            </a:r>
-            <a:r>
-              <a:rPr b="1">
-                <a:solidFill>
-                  <a:srgbClr val="FF0000"/>
-                </a:solidFill>
-                <a:sym typeface="+mn-ea"/>
-              </a:rPr>
-              <a:t># break 某一条件满足时，退出循环，不再执行后续重复的代码</a:t>
-            </a:r>
-            <a:endParaRPr sz="2000" b="1">
+              <a:t>i = 0</a:t>
+            </a:r>
+            <a:endParaRPr sz="2000">
               <a:solidFill>
-                <a:srgbClr val="FF0000"/>
+                <a:schemeClr val="tx1"/>
               </a:solidFill>
               <a:sym typeface="+mn-ea"/>
             </a:endParaRPr>
@@ -12276,15 +12938,15 @@
               </a:lnSpc>
             </a:pPr>
             <a:r>
-              <a:rPr sz="2000" b="1">
+              <a:rPr sz="2000">
                 <a:solidFill>
                   <a:schemeClr val="tx1"/>
                 </a:solidFill>
                 <a:sym typeface="+mn-ea"/>
               </a:rPr>
-              <a:t>    if i == 3:</a:t>
-            </a:r>
-            <a:endParaRPr sz="2000" b="1">
+              <a:t>while i &lt; 10:</a:t>
+            </a:r>
+            <a:endParaRPr sz="2000">
               <a:solidFill>
                 <a:schemeClr val="tx1"/>
               </a:solidFill>
@@ -12298,15 +12960,15 @@
               </a:lnSpc>
             </a:pPr>
             <a:r>
-              <a:rPr sz="2000" b="1">
+              <a:rPr sz="2000">
                 <a:solidFill>
                   <a:schemeClr val="tx1"/>
                 </a:solidFill>
                 <a:sym typeface="+mn-ea"/>
               </a:rPr>
-              <a:t>        break</a:t>
-            </a:r>
-            <a:endParaRPr sz="2000" b="1">
+              <a:t>    # 如果i等于3,就退出循环</a:t>
+            </a:r>
+            <a:endParaRPr sz="2000">
               <a:solidFill>
                 <a:schemeClr val="tx1"/>
               </a:solidFill>
@@ -12320,15 +12982,15 @@
               </a:lnSpc>
             </a:pPr>
             <a:r>
-              <a:rPr sz="2000" b="1">
+              <a:rPr sz="2000">
                 <a:solidFill>
                   <a:schemeClr val="tx1"/>
                 </a:solidFill>
                 <a:sym typeface="+mn-ea"/>
               </a:rPr>
-              <a:t>    print(i)</a:t>
-            </a:r>
-            <a:endParaRPr sz="2000" b="1">
+              <a:t>    if i == 3:</a:t>
+            </a:r>
+            <a:endParaRPr sz="2000">
               <a:solidFill>
                 <a:schemeClr val="tx1"/>
               </a:solidFill>
@@ -12342,15 +13004,15 @@
               </a:lnSpc>
             </a:pPr>
             <a:r>
-              <a:rPr sz="2000" b="1">
+              <a:rPr sz="2000">
                 <a:solidFill>
                   <a:schemeClr val="tx1"/>
                 </a:solidFill>
                 <a:sym typeface="+mn-ea"/>
               </a:rPr>
-              <a:t>    i += 1</a:t>
-            </a:r>
-            <a:endParaRPr sz="2000" b="1">
+              <a:t>        break</a:t>
+            </a:r>
+            <a:endParaRPr sz="2000">
               <a:solidFill>
                 <a:schemeClr val="tx1"/>
               </a:solidFill>
@@ -12364,7 +13026,51 @@
               </a:lnSpc>
             </a:pPr>
             <a:r>
-              <a:rPr sz="2000" b="1">
+              <a:rPr sz="2000">
+                <a:solidFill>
+                  <a:schemeClr val="tx1"/>
+                </a:solidFill>
+                <a:sym typeface="+mn-ea"/>
+              </a:rPr>
+              <a:t>    print(i)</a:t>
+            </a:r>
+            <a:endParaRPr sz="2000">
+              <a:solidFill>
+                <a:schemeClr val="tx1"/>
+              </a:solidFill>
+              <a:sym typeface="+mn-ea"/>
+            </a:endParaRPr>
+          </a:p>
+          <a:p>
+            <a:pPr>
+              <a:lnSpc>
+                <a:spcPct val="150000"/>
+              </a:lnSpc>
+            </a:pPr>
+            <a:r>
+              <a:rPr sz="2000">
+                <a:solidFill>
+                  <a:schemeClr val="tx1"/>
+                </a:solidFill>
+                <a:sym typeface="+mn-ea"/>
+              </a:rPr>
+              <a:t>    i += 1</a:t>
+            </a:r>
+            <a:endParaRPr sz="2000">
+              <a:solidFill>
+                <a:schemeClr val="tx1"/>
+              </a:solidFill>
+              <a:sym typeface="+mn-ea"/>
+            </a:endParaRPr>
+          </a:p>
+          <a:p>
+            <a:pPr>
+              <a:lnSpc>
+                <a:spcPct val="150000"/>
+              </a:lnSpc>
+            </a:pPr>
+            <a:r>
+              <a:rPr sz="2000">
                 <a:solidFill>
                   <a:schemeClr val="tx1"/>
                 </a:solidFill>
@@ -12731,7 +13437,50 @@
               </a:lnSpc>
             </a:pPr>
             <a:r>
+              <a:rPr lang="zh-CN" sz="2000" b="1">
+                <a:solidFill>
+                  <a:srgbClr val="FF0000"/>
+                </a:solidFill>
+                <a:sym typeface="+mn-ea"/>
+              </a:rPr>
+              <a:t>例</a:t>
+            </a:r>
+            <a:r>
+              <a:rPr lang="en-US" altLang="zh-CN" sz="2000" b="1">
+                <a:solidFill>
+                  <a:srgbClr val="FF0000"/>
+                </a:solidFill>
+                <a:sym typeface="+mn-ea"/>
+              </a:rPr>
+              <a:t>3</a:t>
+            </a:r>
+            <a:r>
+              <a:rPr lang="zh-CN" altLang="en-US" sz="2000" b="1">
+                <a:solidFill>
+                  <a:srgbClr val="FF0000"/>
+                </a:solidFill>
+                <a:sym typeface="+mn-ea"/>
+              </a:rPr>
+              <a:t>：</a:t>
+            </a:r>
+            <a:endParaRPr lang="zh-CN" altLang="en-US" sz="2000" b="1">
+              <a:solidFill>
+                <a:schemeClr val="tx1"/>
+              </a:solidFill>
+              <a:sym typeface="+mn-ea"/>
+            </a:endParaRPr>
+          </a:p>
+          <a:p>
+            <a:pPr>
+              <a:lnSpc>
+                <a:spcPct val="100000"/>
+              </a:lnSpc>
+            </a:pPr>
+            <a:r>
               <a:rPr sz="2000">
+                <a:solidFill>
+                  <a:schemeClr val="tx1"/>
+                </a:solidFill>
                 <a:sym typeface="+mn-ea"/>
               </a:rPr>
               <a:t>i = 0</a:t>
@@ -12751,6 +13500,9 @@
             </a:pPr>
             <a:r>
               <a:rPr sz="2000">
+                <a:solidFill>
+                  <a:schemeClr val="tx1"/>
+                </a:solidFill>
                 <a:sym typeface="+mn-ea"/>
               </a:rPr>
               <a:t>while i &lt; 10:</a:t>
@@ -12770,6 +13522,9 @@
             </a:pPr>
             <a:r>
               <a:rPr sz="2000">
+                <a:solidFill>
+                  <a:schemeClr val="tx1"/>
+                </a:solidFill>
                 <a:sym typeface="+mn-ea"/>
               </a:rPr>
               <a:t>    # 当 i == 7 时，不希望执行需要重复执行的代码</a:t>
@@ -12789,6 +13544,9 @@
             </a:pPr>
             <a:r>
               <a:rPr sz="2000">
+                <a:solidFill>
+                  <a:schemeClr val="tx1"/>
+                </a:solidFill>
                 <a:sym typeface="+mn-ea"/>
               </a:rPr>
               <a:t>    if i == 7:</a:t>
@@ -12808,9 +13566,12 @@
             </a:pPr>
             <a:r>
               <a:rPr sz="2000">
+                <a:solidFill>
+                  <a:schemeClr val="tx1"/>
+                </a:solidFill>
                 <a:sym typeface="+mn-ea"/>
               </a:rPr>
-              <a:t>        # 在使用 continue 之前，同样应该修改计数器</a:t>
+              <a:t>        # i为什么要增加1</a:t>
             </a:r>
             <a:endParaRPr sz="2000">
               <a:solidFill>
@@ -12827,9 +13588,12 @@
             </a:pPr>
             <a:r>
               <a:rPr sz="2000">
+                <a:solidFill>
+                  <a:schemeClr val="tx1"/>
+                </a:solidFill>
                 <a:sym typeface="+mn-ea"/>
               </a:rPr>
-              <a:t>        # 否则会出现死循环</a:t>
+              <a:t>        i = i+1</a:t>
             </a:r>
             <a:endParaRPr sz="2000">
               <a:solidFill>
@@ -12846,9 +13610,12 @@
             </a:pPr>
             <a:r>
               <a:rPr sz="2000">
+                <a:solidFill>
+                  <a:schemeClr val="tx1"/>
+                </a:solidFill>
                 <a:sym typeface="+mn-ea"/>
               </a:rPr>
-              <a:t>        i = i+1</a:t>
+              <a:t>        continue</a:t>
             </a:r>
             <a:endParaRPr sz="2000">
               <a:solidFill>
@@ -12865,9 +13632,12 @@
             </a:pPr>
             <a:r>
               <a:rPr sz="2000">
+                <a:solidFill>
+                  <a:schemeClr val="tx1"/>
+                </a:solidFill>
                 <a:sym typeface="+mn-ea"/>
               </a:rPr>
-              <a:t>        continue</a:t>
+              <a:t>    # 重复执行的代码</a:t>
             </a:r>
             <a:endParaRPr sz="2000">
               <a:solidFill>
@@ -12884,9 +13654,12 @@
             </a:pPr>
             <a:r>
               <a:rPr sz="2000">
+                <a:solidFill>
+                  <a:schemeClr val="tx1"/>
+                </a:solidFill>
                 <a:sym typeface="+mn-ea"/>
               </a:rPr>
-              <a:t>    # 重复执行的代码</a:t>
+              <a:t>    print(i)</a:t>
             </a:r>
             <a:endParaRPr sz="2000">
               <a:solidFill>
@@ -12903,25 +13676,9 @@
             </a:pPr>
             <a:r>
               <a:rPr sz="2000">
-                <a:sym typeface="+mn-ea"/>
-              </a:rPr>
-              <a:t>    print(i)</a:t>
-            </a:r>
-            <a:endParaRPr sz="2000">
-              <a:solidFill>
-                <a:schemeClr val="tx1"/>
-              </a:solidFill>
-              <a:sym typeface="+mn-ea"/>
-            </a:endParaRPr>
-          </a:p>
-          <a:p>
-            <a:pPr>
-              <a:lnSpc>
-                <a:spcPct val="100000"/>
-              </a:lnSpc>
-            </a:pPr>
-            <a:r>
-              <a:rPr sz="2000">
+                <a:solidFill>
+                  <a:schemeClr val="tx1"/>
+                </a:solidFill>
                 <a:sym typeface="+mn-ea"/>
               </a:rPr>
               <a:t>    i = i+1</a:t>
